--- a/Apresentação.pptx
+++ b/Apresentação.pptx
@@ -6,10 +6,14 @@
   </p:sldMasterIdLst>
   <p:sldIdLst>
     <p:sldId id="256" r:id="rId2"/>
-    <p:sldId id="257" r:id="rId3"/>
-    <p:sldId id="258" r:id="rId4"/>
-    <p:sldId id="262" r:id="rId5"/>
-    <p:sldId id="263" r:id="rId6"/>
+    <p:sldId id="264" r:id="rId3"/>
+    <p:sldId id="265" r:id="rId4"/>
+    <p:sldId id="257" r:id="rId5"/>
+    <p:sldId id="266" r:id="rId6"/>
+    <p:sldId id="258" r:id="rId7"/>
+    <p:sldId id="262" r:id="rId8"/>
+    <p:sldId id="267" r:id="rId9"/>
+    <p:sldId id="263" r:id="rId10"/>
   </p:sldIdLst>
   <p:sldSz cx="12192000" cy="6858000"/>
   <p:notesSz cx="6858000" cy="9144000"/>
@@ -108,6 +112,11 @@
       </a:defRPr>
     </a:lvl9pPr>
   </p:defaultTextStyle>
+  <p:extLst>
+    <p:ext uri="{EFAFB233-063F-42B5-8137-9DF3F51BA10A}">
+      <p15:sldGuideLst xmlns:p15="http://schemas.microsoft.com/office/powerpoint/2012/main"/>
+    </p:ext>
+  </p:extLst>
 </p:presentation>
 </file>
 
@@ -151,7 +160,7 @@
           <a:p>
             <a:fld id="{8B0D2198-B034-7642-824F-7EBE68C83C09}" type="datetimeFigureOut">
               <a:rPr lang="pt-BR" smtClean="0"/>
-              <a:t>28/09/2019</a:t>
+              <a:t>29/09/2019</a:t>
             </a:fld>
             <a:endParaRPr lang="pt-BR"/>
           </a:p>
@@ -349,7 +358,7 @@
           <a:p>
             <a:fld id="{8B0D2198-B034-7642-824F-7EBE68C83C09}" type="datetimeFigureOut">
               <a:rPr lang="pt-BR" smtClean="0"/>
-              <a:t>28/09/2019</a:t>
+              <a:t>29/09/2019</a:t>
             </a:fld>
             <a:endParaRPr lang="pt-BR"/>
           </a:p>
@@ -557,7 +566,7 @@
           <a:p>
             <a:fld id="{8B0D2198-B034-7642-824F-7EBE68C83C09}" type="datetimeFigureOut">
               <a:rPr lang="pt-BR" smtClean="0"/>
-              <a:t>28/09/2019</a:t>
+              <a:t>29/09/2019</a:t>
             </a:fld>
             <a:endParaRPr lang="pt-BR"/>
           </a:p>
@@ -670,7 +679,7 @@
           <a:p>
             <a:fld id="{8B0D2198-B034-7642-824F-7EBE68C83C09}" type="datetimeFigureOut">
               <a:rPr lang="pt-BR" smtClean="0"/>
-              <a:t>28/09/2019</a:t>
+              <a:t>29/09/2019</a:t>
             </a:fld>
             <a:endParaRPr lang="pt-BR"/>
           </a:p>
@@ -1028,7 +1037,7 @@
           <a:p>
             <a:fld id="{8B0D2198-B034-7642-824F-7EBE68C83C09}" type="datetimeFigureOut">
               <a:rPr lang="pt-BR" smtClean="0"/>
-              <a:t>28/09/2019</a:t>
+              <a:t>29/09/2019</a:t>
             </a:fld>
             <a:endParaRPr lang="pt-BR"/>
           </a:p>
@@ -1293,7 +1302,7 @@
           <a:p>
             <a:fld id="{8B0D2198-B034-7642-824F-7EBE68C83C09}" type="datetimeFigureOut">
               <a:rPr lang="pt-BR" smtClean="0"/>
-              <a:t>28/09/2019</a:t>
+              <a:t>29/09/2019</a:t>
             </a:fld>
             <a:endParaRPr lang="pt-BR"/>
           </a:p>
@@ -1705,7 +1714,7 @@
           <a:p>
             <a:fld id="{8B0D2198-B034-7642-824F-7EBE68C83C09}" type="datetimeFigureOut">
               <a:rPr lang="pt-BR" smtClean="0"/>
-              <a:t>28/09/2019</a:t>
+              <a:t>29/09/2019</a:t>
             </a:fld>
             <a:endParaRPr lang="pt-BR"/>
           </a:p>
@@ -1846,7 +1855,7 @@
           <a:p>
             <a:fld id="{8B0D2198-B034-7642-824F-7EBE68C83C09}" type="datetimeFigureOut">
               <a:rPr lang="pt-BR" smtClean="0"/>
-              <a:t>28/09/2019</a:t>
+              <a:t>29/09/2019</a:t>
             </a:fld>
             <a:endParaRPr lang="pt-BR"/>
           </a:p>
@@ -1959,7 +1968,7 @@
           <a:p>
             <a:fld id="{8B0D2198-B034-7642-824F-7EBE68C83C09}" type="datetimeFigureOut">
               <a:rPr lang="pt-BR" smtClean="0"/>
-              <a:t>28/09/2019</a:t>
+              <a:t>29/09/2019</a:t>
             </a:fld>
             <a:endParaRPr lang="pt-BR"/>
           </a:p>
@@ -2270,7 +2279,7 @@
           <a:p>
             <a:fld id="{8B0D2198-B034-7642-824F-7EBE68C83C09}" type="datetimeFigureOut">
               <a:rPr lang="pt-BR" smtClean="0"/>
-              <a:t>28/09/2019</a:t>
+              <a:t>29/09/2019</a:t>
             </a:fld>
             <a:endParaRPr lang="pt-BR"/>
           </a:p>
@@ -2558,7 +2567,7 @@
           <a:p>
             <a:fld id="{8B0D2198-B034-7642-824F-7EBE68C83C09}" type="datetimeFigureOut">
               <a:rPr lang="pt-BR" smtClean="0"/>
-              <a:t>28/09/2019</a:t>
+              <a:t>29/09/2019</a:t>
             </a:fld>
             <a:endParaRPr lang="pt-BR"/>
           </a:p>
@@ -2799,7 +2808,7 @@
           <a:p>
             <a:fld id="{8B0D2198-B034-7642-824F-7EBE68C83C09}" type="datetimeFigureOut">
               <a:rPr lang="pt-BR" smtClean="0"/>
-              <a:t>28/09/2019</a:t>
+              <a:t>29/09/2019</a:t>
             </a:fld>
             <a:endParaRPr lang="pt-BR"/>
           </a:p>
@@ -3552,6 +3561,399 @@
                   <a:schemeClr val="bg1"/>
                 </a:solidFill>
               </a:rPr>
+              <a:t>INTRODUÇÃO</a:t>
+            </a:r>
+          </a:p>
+        </p:txBody>
+      </p:sp>
+      <p:sp>
+        <p:nvSpPr>
+          <p:cNvPr id="7" name="CaixaDeTexto 6">
+            <a:extLst>
+              <a:ext uri="{FF2B5EF4-FFF2-40B4-BE49-F238E27FC236}">
+                <a16:creationId xmlns:a16="http://schemas.microsoft.com/office/drawing/2014/main" id="{CEEE0929-9C3C-7041-BD3C-18482CEF4ED7}"/>
+              </a:ext>
+            </a:extLst>
+          </p:cNvPr>
+          <p:cNvSpPr txBox="1"/>
+          <p:nvPr/>
+        </p:nvSpPr>
+        <p:spPr>
+          <a:xfrm>
+            <a:off x="394447" y="1314450"/>
+            <a:ext cx="11535616" cy="4455322"/>
+          </a:xfrm>
+          <a:prstGeom prst="rect">
+            <a:avLst/>
+          </a:prstGeom>
+          <a:noFill/>
+        </p:spPr>
+        <p:txBody>
+          <a:bodyPr wrap="square" rtlCol="0">
+            <a:spAutoFit/>
+          </a:bodyPr>
+          <a:lstStyle/>
+          <a:p>
+            <a:pPr algn="just">
+              <a:lnSpc>
+                <a:spcPct val="200000"/>
+              </a:lnSpc>
+            </a:pPr>
+            <a:r>
+              <a:rPr lang="pt-BR" sz="1600" dirty="0">
+                <a:solidFill>
+                  <a:schemeClr val="accent3">
+                    <a:lumMod val="75000"/>
+                  </a:schemeClr>
+                </a:solidFill>
+              </a:rPr>
+              <a:t>	Nesse estudo de caso proposto, vamos analisar os processos da vinícola Rio Claro, empresa familiar que tem obtido sucesso aprimorando seus processos ao decorrer do tempo com as sucessões de gerações da família proprietária.</a:t>
+            </a:r>
+          </a:p>
+          <a:p>
+            <a:pPr algn="just">
+              <a:lnSpc>
+                <a:spcPct val="200000"/>
+              </a:lnSpc>
+            </a:pPr>
+            <a:r>
+              <a:rPr lang="pt-BR" sz="1600" dirty="0">
+                <a:solidFill>
+                  <a:schemeClr val="accent3">
+                    <a:lumMod val="75000"/>
+                  </a:schemeClr>
+                </a:solidFill>
+              </a:rPr>
+              <a:t>	O objetivo é fazer a modelagem informacional necessária para fazermos a análise sobre dois focos escolhidos: o faturamento e o controle de estoque.</a:t>
+            </a:r>
+          </a:p>
+          <a:p>
+            <a:pPr algn="just">
+              <a:lnSpc>
+                <a:spcPct val="200000"/>
+              </a:lnSpc>
+            </a:pPr>
+            <a:r>
+              <a:rPr lang="pt-BR" sz="1600" dirty="0">
+                <a:solidFill>
+                  <a:schemeClr val="accent3">
+                    <a:lumMod val="75000"/>
+                  </a:schemeClr>
+                </a:solidFill>
+              </a:rPr>
+              <a:t>	Para isso, faremos simulações de vendas contemplando 2000 transações de vendas dos seus 28 produtos e controle de estoque dos seu 6 depósitos espalhados pelo país. Todos os seus 34 clientes estão cadastrados em seu sistema de vendas, contemplando basicamente redes de supermercados e restaurante de todo o país, porém mais concentrados nas regiões sul e sudeste.</a:t>
+            </a:r>
+          </a:p>
+          <a:p>
+            <a:pPr algn="just">
+              <a:lnSpc>
+                <a:spcPct val="200000"/>
+              </a:lnSpc>
+            </a:pPr>
+            <a:r>
+              <a:rPr lang="pt-BR" sz="1600" dirty="0">
+                <a:solidFill>
+                  <a:schemeClr val="accent3">
+                    <a:lumMod val="75000"/>
+                  </a:schemeClr>
+                </a:solidFill>
+              </a:rPr>
+              <a:t>	Usaremos para essa análise, a construção de um modelo, o Star </a:t>
+            </a:r>
+            <a:r>
+              <a:rPr lang="pt-BR" sz="1600" dirty="0" err="1">
+                <a:solidFill>
+                  <a:schemeClr val="accent3">
+                    <a:lumMod val="75000"/>
+                  </a:schemeClr>
+                </a:solidFill>
+              </a:rPr>
+              <a:t>Schema</a:t>
+            </a:r>
+            <a:r>
+              <a:rPr lang="pt-BR" sz="1600" dirty="0">
+                <a:solidFill>
+                  <a:schemeClr val="accent3">
+                    <a:lumMod val="75000"/>
+                  </a:schemeClr>
+                </a:solidFill>
+              </a:rPr>
+              <a:t>, suas tabelas de fatos e suas dimensões para, posteriormente fazermos três análises exploratórias abordando o faturamento  e o controle de estoque da Rio Largo.</a:t>
+            </a:r>
+          </a:p>
+        </p:txBody>
+      </p:sp>
+    </p:spTree>
+    <p:extLst>
+      <p:ext uri="{BB962C8B-B14F-4D97-AF65-F5344CB8AC3E}">
+        <p14:creationId xmlns:p14="http://schemas.microsoft.com/office/powerpoint/2010/main" val="3826517687"/>
+      </p:ext>
+    </p:extLst>
+  </p:cSld>
+  <p:clrMapOvr>
+    <a:masterClrMapping/>
+  </p:clrMapOvr>
+</p:sld>
+</file>
+
+<file path=ppt/slides/slide3.xml><?xml version="1.0" encoding="utf-8"?>
+<p:sld xmlns:a="http://schemas.openxmlformats.org/drawingml/2006/main" xmlns:r="http://schemas.openxmlformats.org/officeDocument/2006/relationships" xmlns:p="http://schemas.openxmlformats.org/presentationml/2006/main">
+  <p:cSld>
+    <p:spTree>
+      <p:nvGrpSpPr>
+        <p:cNvPr id="1" name=""/>
+        <p:cNvGrpSpPr/>
+        <p:nvPr/>
+      </p:nvGrpSpPr>
+      <p:grpSpPr>
+        <a:xfrm>
+          <a:off x="0" y="0"/>
+          <a:ext cx="0" cy="0"/>
+          <a:chOff x="0" y="0"/>
+          <a:chExt cx="0" cy="0"/>
+        </a:xfrm>
+      </p:grpSpPr>
+      <p:sp>
+        <p:nvSpPr>
+          <p:cNvPr id="2" name="Título 1">
+            <a:extLst>
+              <a:ext uri="{FF2B5EF4-FFF2-40B4-BE49-F238E27FC236}">
+                <a16:creationId xmlns:a16="http://schemas.microsoft.com/office/drawing/2014/main" id="{CFCAD5B0-F342-A041-983A-C4853BE14704}"/>
+              </a:ext>
+            </a:extLst>
+          </p:cNvPr>
+          <p:cNvSpPr>
+            <a:spLocks noGrp="1"/>
+          </p:cNvSpPr>
+          <p:nvPr>
+            <p:ph type="title" idx="4294967295"/>
+          </p:nvPr>
+        </p:nvSpPr>
+        <p:spPr>
+          <a:xfrm>
+            <a:off x="394447" y="1"/>
+            <a:ext cx="10515600" cy="1143000"/>
+          </a:xfrm>
+          <a:effectLst>
+            <a:outerShdw blurRad="50800" dist="38100" dir="2700000" algn="tl" rotWithShape="0">
+              <a:prstClr val="black">
+                <a:alpha val="40000"/>
+              </a:prstClr>
+            </a:outerShdw>
+          </a:effectLst>
+        </p:spPr>
+        <p:txBody>
+          <a:bodyPr/>
+          <a:lstStyle/>
+          <a:p>
+            <a:r>
+              <a:rPr lang="pt-BR" b="1" dirty="0">
+                <a:solidFill>
+                  <a:schemeClr val="bg1"/>
+                </a:solidFill>
+              </a:rPr>
+              <a:t>DADOS FORNECIDOS</a:t>
+            </a:r>
+          </a:p>
+        </p:txBody>
+      </p:sp>
+      <p:sp>
+        <p:nvSpPr>
+          <p:cNvPr id="7" name="CaixaDeTexto 6">
+            <a:extLst>
+              <a:ext uri="{FF2B5EF4-FFF2-40B4-BE49-F238E27FC236}">
+                <a16:creationId xmlns:a16="http://schemas.microsoft.com/office/drawing/2014/main" id="{CEEE0929-9C3C-7041-BD3C-18482CEF4ED7}"/>
+              </a:ext>
+            </a:extLst>
+          </p:cNvPr>
+          <p:cNvSpPr txBox="1"/>
+          <p:nvPr/>
+        </p:nvSpPr>
+        <p:spPr>
+          <a:xfrm>
+            <a:off x="394447" y="1314450"/>
+            <a:ext cx="4601299" cy="3470437"/>
+          </a:xfrm>
+          <a:prstGeom prst="rect">
+            <a:avLst/>
+          </a:prstGeom>
+          <a:noFill/>
+        </p:spPr>
+        <p:txBody>
+          <a:bodyPr wrap="square" rtlCol="0">
+            <a:spAutoFit/>
+          </a:bodyPr>
+          <a:lstStyle/>
+          <a:p>
+            <a:pPr algn="just">
+              <a:lnSpc>
+                <a:spcPct val="200000"/>
+              </a:lnSpc>
+            </a:pPr>
+            <a:r>
+              <a:rPr lang="pt-BR" sz="1600" dirty="0">
+                <a:solidFill>
+                  <a:schemeClr val="accent3">
+                    <a:lumMod val="75000"/>
+                  </a:schemeClr>
+                </a:solidFill>
+              </a:rPr>
+              <a:t>	Os dados apresentados estão contidos no modelo Entidade/Relacionamento abaixo, de serão tiradas informações para construção do nosso modelo.</a:t>
+            </a:r>
+          </a:p>
+          <a:p>
+            <a:pPr algn="just">
+              <a:lnSpc>
+                <a:spcPct val="200000"/>
+              </a:lnSpc>
+            </a:pPr>
+            <a:r>
+              <a:rPr lang="pt-BR" sz="1600" dirty="0">
+                <a:solidFill>
+                  <a:schemeClr val="accent3">
+                    <a:lumMod val="75000"/>
+                  </a:schemeClr>
+                </a:solidFill>
+              </a:rPr>
+              <a:t>	Além disso, é sabido que a empresa possui 28 produtos em seu portfólio e 6 depósitos de onde esses produtos são distribuídos.</a:t>
+            </a:r>
+          </a:p>
+        </p:txBody>
+      </p:sp>
+      <p:pic>
+        <p:nvPicPr>
+          <p:cNvPr id="4" name="Picture 2">
+            <a:extLst>
+              <a:ext uri="{FF2B5EF4-FFF2-40B4-BE49-F238E27FC236}">
+                <a16:creationId xmlns:a16="http://schemas.microsoft.com/office/drawing/2014/main" id="{B55205D4-87E2-AB4C-AC72-2CA2D169AAAF}"/>
+              </a:ext>
+            </a:extLst>
+          </p:cNvPr>
+          <p:cNvPicPr>
+            <a:picLocks noChangeAspect="1" noChangeArrowheads="1"/>
+          </p:cNvPicPr>
+          <p:nvPr/>
+        </p:nvPicPr>
+        <p:blipFill rotWithShape="1">
+          <a:blip r:embed="rId2">
+            <a:extLst>
+              <a:ext uri="{28A0092B-C50C-407E-A947-70E740481C1C}">
+                <a14:useLocalDpi xmlns:a14="http://schemas.microsoft.com/office/drawing/2010/main" val="0"/>
+              </a:ext>
+            </a:extLst>
+          </a:blip>
+          <a:srcRect l="670" t="1008" r="1082" b="1223"/>
+          <a:stretch/>
+        </p:blipFill>
+        <p:spPr bwMode="auto">
+          <a:xfrm>
+            <a:off x="5873860" y="1572145"/>
+            <a:ext cx="5646057" cy="4383314"/>
+          </a:xfrm>
+          <a:prstGeom prst="rect">
+            <a:avLst/>
+          </a:prstGeom>
+          <a:noFill/>
+          <a:ln>
+            <a:noFill/>
+          </a:ln>
+          <a:effectLst>
+            <a:outerShdw blurRad="50800" dist="38100" dir="2700000" algn="tl" rotWithShape="0">
+              <a:prstClr val="black">
+                <a:alpha val="40000"/>
+              </a:prstClr>
+            </a:outerShdw>
+          </a:effectLst>
+          <a:extLst>
+            <a:ext uri="{909E8E84-426E-40DD-AFC4-6F175D3DCCD1}">
+              <a14:hiddenFill xmlns:a14="http://schemas.microsoft.com/office/drawing/2010/main">
+                <a:solidFill>
+                  <a:schemeClr val="accent1"/>
+                </a:solidFill>
+              </a14:hiddenFill>
+            </a:ext>
+            <a:ext uri="{91240B29-F687-4F45-9708-019B960494DF}">
+              <a14:hiddenLine xmlns:a14="http://schemas.microsoft.com/office/drawing/2010/main" w="9525">
+                <a:solidFill>
+                  <a:schemeClr val="tx1"/>
+                </a:solidFill>
+                <a:miter lim="800000"/>
+                <a:headEnd/>
+                <a:tailEnd/>
+              </a14:hiddenLine>
+            </a:ext>
+          </a:extLst>
+        </p:spPr>
+      </p:pic>
+    </p:spTree>
+    <p:extLst>
+      <p:ext uri="{BB962C8B-B14F-4D97-AF65-F5344CB8AC3E}">
+        <p14:creationId xmlns:p14="http://schemas.microsoft.com/office/powerpoint/2010/main" val="3234540247"/>
+      </p:ext>
+    </p:extLst>
+  </p:cSld>
+  <p:clrMapOvr>
+    <a:masterClrMapping/>
+  </p:clrMapOvr>
+</p:sld>
+</file>
+
+<file path=ppt/slides/slide4.xml><?xml version="1.0" encoding="utf-8"?>
+<p:sld xmlns:a="http://schemas.openxmlformats.org/drawingml/2006/main" xmlns:r="http://schemas.openxmlformats.org/officeDocument/2006/relationships" xmlns:p="http://schemas.openxmlformats.org/presentationml/2006/main">
+  <p:cSld>
+    <p:spTree>
+      <p:nvGrpSpPr>
+        <p:cNvPr id="1" name=""/>
+        <p:cNvGrpSpPr/>
+        <p:nvPr/>
+      </p:nvGrpSpPr>
+      <p:grpSpPr>
+        <a:xfrm>
+          <a:off x="0" y="0"/>
+          <a:ext cx="0" cy="0"/>
+          <a:chOff x="0" y="0"/>
+          <a:chExt cx="0" cy="0"/>
+        </a:xfrm>
+      </p:grpSpPr>
+      <p:sp>
+        <p:nvSpPr>
+          <p:cNvPr id="2" name="Título 1">
+            <a:extLst>
+              <a:ext uri="{FF2B5EF4-FFF2-40B4-BE49-F238E27FC236}">
+                <a16:creationId xmlns:a16="http://schemas.microsoft.com/office/drawing/2014/main" id="{CFCAD5B0-F342-A041-983A-C4853BE14704}"/>
+              </a:ext>
+            </a:extLst>
+          </p:cNvPr>
+          <p:cNvSpPr>
+            <a:spLocks noGrp="1"/>
+          </p:cNvSpPr>
+          <p:nvPr>
+            <p:ph type="title" idx="4294967295"/>
+          </p:nvPr>
+        </p:nvSpPr>
+        <p:spPr>
+          <a:xfrm>
+            <a:off x="394447" y="1"/>
+            <a:ext cx="10515600" cy="1143000"/>
+          </a:xfrm>
+          <a:effectLst>
+            <a:outerShdw blurRad="50800" dist="38100" dir="2700000" algn="tl" rotWithShape="0">
+              <a:prstClr val="black">
+                <a:alpha val="40000"/>
+              </a:prstClr>
+            </a:outerShdw>
+          </a:effectLst>
+        </p:spPr>
+        <p:txBody>
+          <a:bodyPr/>
+          <a:lstStyle/>
+          <a:p>
+            <a:r>
+              <a:rPr lang="pt-BR" b="1" dirty="0">
+                <a:solidFill>
+                  <a:schemeClr val="bg1"/>
+                </a:solidFill>
+              </a:rPr>
               <a:t>STAR SCHEMA</a:t>
             </a:r>
           </a:p>
@@ -3572,7 +3974,7 @@
           <p:nvPr/>
         </p:nvPicPr>
         <p:blipFill rotWithShape="1">
-          <a:blip r:embed="rId3"/>
+          <a:blip r:embed="rId2"/>
           <a:srcRect l="6465" t="5834" r="18651" b="27708"/>
           <a:stretch/>
         </p:blipFill>
@@ -3584,6 +3986,13 @@
           <a:prstGeom prst="rect">
             <a:avLst/>
           </a:prstGeom>
+          <a:effectLst>
+            <a:outerShdw blurRad="50800" dist="38100" dir="2700000" algn="tl" rotWithShape="0">
+              <a:prstClr val="black">
+                <a:alpha val="40000"/>
+              </a:prstClr>
+            </a:outerShdw>
+          </a:effectLst>
         </p:spPr>
       </p:pic>
       <p:pic>
@@ -3601,7 +4010,7 @@
           <p:nvPr/>
         </p:nvPicPr>
         <p:blipFill rotWithShape="1">
-          <a:blip r:embed="rId4"/>
+          <a:blip r:embed="rId3"/>
           <a:srcRect l="7251" t="5416" r="13640" b="57918"/>
           <a:stretch/>
         </p:blipFill>
@@ -3613,6 +4022,13 @@
           <a:prstGeom prst="rect">
             <a:avLst/>
           </a:prstGeom>
+          <a:effectLst>
+            <a:outerShdw blurRad="50800" dist="38100" dir="2700000" algn="tl" rotWithShape="0">
+              <a:prstClr val="black">
+                <a:alpha val="40000"/>
+              </a:prstClr>
+            </a:outerShdw>
+          </a:effectLst>
         </p:spPr>
       </p:pic>
       <p:sp>
@@ -3712,7 +4128,390 @@
 </p:sld>
 </file>
 
-<file path=ppt/slides/slide3.xml><?xml version="1.0" encoding="utf-8"?>
+<file path=ppt/slides/slide5.xml><?xml version="1.0" encoding="utf-8"?>
+<p:sld xmlns:a="http://schemas.openxmlformats.org/drawingml/2006/main" xmlns:r="http://schemas.openxmlformats.org/officeDocument/2006/relationships" xmlns:p="http://schemas.openxmlformats.org/presentationml/2006/main">
+  <p:cSld>
+    <p:spTree>
+      <p:nvGrpSpPr>
+        <p:cNvPr id="1" name=""/>
+        <p:cNvGrpSpPr/>
+        <p:nvPr/>
+      </p:nvGrpSpPr>
+      <p:grpSpPr>
+        <a:xfrm>
+          <a:off x="0" y="0"/>
+          <a:ext cx="0" cy="0"/>
+          <a:chOff x="0" y="0"/>
+          <a:chExt cx="0" cy="0"/>
+        </a:xfrm>
+      </p:grpSpPr>
+      <p:sp>
+        <p:nvSpPr>
+          <p:cNvPr id="2" name="Título 1">
+            <a:extLst>
+              <a:ext uri="{FF2B5EF4-FFF2-40B4-BE49-F238E27FC236}">
+                <a16:creationId xmlns:a16="http://schemas.microsoft.com/office/drawing/2014/main" id="{CFCAD5B0-F342-A041-983A-C4853BE14704}"/>
+              </a:ext>
+            </a:extLst>
+          </p:cNvPr>
+          <p:cNvSpPr>
+            <a:spLocks noGrp="1"/>
+          </p:cNvSpPr>
+          <p:nvPr>
+            <p:ph type="title" idx="4294967295"/>
+          </p:nvPr>
+        </p:nvSpPr>
+        <p:spPr>
+          <a:xfrm>
+            <a:off x="394447" y="1"/>
+            <a:ext cx="10515600" cy="1143000"/>
+          </a:xfrm>
+          <a:effectLst>
+            <a:outerShdw blurRad="50800" dist="38100" dir="2700000" algn="tl" rotWithShape="0">
+              <a:prstClr val="black">
+                <a:alpha val="40000"/>
+              </a:prstClr>
+            </a:outerShdw>
+          </a:effectLst>
+        </p:spPr>
+        <p:txBody>
+          <a:bodyPr/>
+          <a:lstStyle/>
+          <a:p>
+            <a:r>
+              <a:rPr lang="pt-BR" b="1" dirty="0">
+                <a:solidFill>
+                  <a:schemeClr val="bg1"/>
+                </a:solidFill>
+              </a:rPr>
+              <a:t>POPULAÇÃO DAS TABELAS</a:t>
+            </a:r>
+          </a:p>
+        </p:txBody>
+      </p:sp>
+      <p:sp>
+        <p:nvSpPr>
+          <p:cNvPr id="7" name="CaixaDeTexto 6">
+            <a:extLst>
+              <a:ext uri="{FF2B5EF4-FFF2-40B4-BE49-F238E27FC236}">
+                <a16:creationId xmlns:a16="http://schemas.microsoft.com/office/drawing/2014/main" id="{CEEE0929-9C3C-7041-BD3C-18482CEF4ED7}"/>
+              </a:ext>
+            </a:extLst>
+          </p:cNvPr>
+          <p:cNvSpPr txBox="1"/>
+          <p:nvPr/>
+        </p:nvSpPr>
+        <p:spPr>
+          <a:xfrm>
+            <a:off x="394447" y="1314450"/>
+            <a:ext cx="11213973" cy="4455322"/>
+          </a:xfrm>
+          <a:prstGeom prst="rect">
+            <a:avLst/>
+          </a:prstGeom>
+          <a:noFill/>
+        </p:spPr>
+        <p:txBody>
+          <a:bodyPr wrap="square" rtlCol="0">
+            <a:spAutoFit/>
+          </a:bodyPr>
+          <a:lstStyle/>
+          <a:p>
+            <a:pPr algn="just">
+              <a:lnSpc>
+                <a:spcPct val="200000"/>
+              </a:lnSpc>
+            </a:pPr>
+            <a:r>
+              <a:rPr lang="pt-BR" sz="1600" b="1" dirty="0">
+                <a:solidFill>
+                  <a:schemeClr val="accent3">
+                    <a:lumMod val="75000"/>
+                  </a:schemeClr>
+                </a:solidFill>
+              </a:rPr>
+              <a:t>Clientes: </a:t>
+            </a:r>
+            <a:r>
+              <a:rPr lang="pt-BR" sz="1600" dirty="0">
+                <a:solidFill>
+                  <a:schemeClr val="accent3">
+                    <a:lumMod val="75000"/>
+                  </a:schemeClr>
+                </a:solidFill>
+              </a:rPr>
+              <a:t>38 clientes criados</a:t>
+            </a:r>
+          </a:p>
+          <a:p>
+            <a:pPr algn="just">
+              <a:lnSpc>
+                <a:spcPct val="200000"/>
+              </a:lnSpc>
+            </a:pPr>
+            <a:r>
+              <a:rPr lang="pt-BR" sz="1600" b="1" dirty="0">
+                <a:solidFill>
+                  <a:schemeClr val="accent3">
+                    <a:lumMod val="75000"/>
+                  </a:schemeClr>
+                </a:solidFill>
+              </a:rPr>
+              <a:t>Produtos: </a:t>
+            </a:r>
+            <a:r>
+              <a:rPr lang="pt-BR" sz="1600" dirty="0">
+                <a:solidFill>
+                  <a:schemeClr val="accent3">
+                    <a:lumMod val="75000"/>
+                  </a:schemeClr>
+                </a:solidFill>
+              </a:rPr>
+              <a:t>28 produtos criados</a:t>
+            </a:r>
+          </a:p>
+          <a:p>
+            <a:pPr algn="just">
+              <a:lnSpc>
+                <a:spcPct val="200000"/>
+              </a:lnSpc>
+            </a:pPr>
+            <a:r>
+              <a:rPr lang="pt-BR" sz="1600" b="1" dirty="0" err="1">
+                <a:solidFill>
+                  <a:schemeClr val="accent3">
+                    <a:lumMod val="75000"/>
+                  </a:schemeClr>
+                </a:solidFill>
+              </a:rPr>
+              <a:t>Warehouses</a:t>
+            </a:r>
+            <a:r>
+              <a:rPr lang="pt-BR" sz="1600" b="1" dirty="0">
+                <a:solidFill>
+                  <a:schemeClr val="accent3">
+                    <a:lumMod val="75000"/>
+                  </a:schemeClr>
+                </a:solidFill>
+              </a:rPr>
+              <a:t>: </a:t>
+            </a:r>
+            <a:r>
+              <a:rPr lang="pt-BR" sz="1600" dirty="0">
+                <a:solidFill>
+                  <a:schemeClr val="accent3">
+                    <a:lumMod val="75000"/>
+                  </a:schemeClr>
+                </a:solidFill>
+              </a:rPr>
+              <a:t>6 unidades de </a:t>
+            </a:r>
+            <a:r>
+              <a:rPr lang="pt-BR" sz="1600" dirty="0" err="1">
+                <a:solidFill>
+                  <a:schemeClr val="accent3">
+                    <a:lumMod val="75000"/>
+                  </a:schemeClr>
+                </a:solidFill>
+              </a:rPr>
+              <a:t>depositos</a:t>
+            </a:r>
+            <a:r>
+              <a:rPr lang="pt-BR" sz="1600" dirty="0">
+                <a:solidFill>
+                  <a:schemeClr val="accent3">
+                    <a:lumMod val="75000"/>
+                  </a:schemeClr>
+                </a:solidFill>
+              </a:rPr>
+              <a:t> foram criadas</a:t>
+            </a:r>
+          </a:p>
+          <a:p>
+            <a:pPr algn="just">
+              <a:lnSpc>
+                <a:spcPct val="200000"/>
+              </a:lnSpc>
+            </a:pPr>
+            <a:r>
+              <a:rPr lang="pt-BR" sz="1600" b="1" dirty="0">
+                <a:solidFill>
+                  <a:schemeClr val="accent3">
+                    <a:lumMod val="75000"/>
+                  </a:schemeClr>
+                </a:solidFill>
+              </a:rPr>
+              <a:t>Representantes de vendas: </a:t>
+            </a:r>
+            <a:r>
+              <a:rPr lang="pt-BR" sz="1600" dirty="0">
+                <a:solidFill>
+                  <a:schemeClr val="accent3">
+                    <a:lumMod val="75000"/>
+                  </a:schemeClr>
+                </a:solidFill>
+              </a:rPr>
+              <a:t>14 representantes foram criados</a:t>
+            </a:r>
+          </a:p>
+          <a:p>
+            <a:pPr algn="just">
+              <a:lnSpc>
+                <a:spcPct val="200000"/>
+              </a:lnSpc>
+            </a:pPr>
+            <a:r>
+              <a:rPr lang="pt-BR" sz="1600" b="1" dirty="0">
+                <a:solidFill>
+                  <a:schemeClr val="accent3">
+                    <a:lumMod val="75000"/>
+                  </a:schemeClr>
+                </a:solidFill>
+              </a:rPr>
+              <a:t>Vendas: </a:t>
+            </a:r>
+            <a:r>
+              <a:rPr lang="pt-BR" sz="1600" dirty="0">
+                <a:solidFill>
+                  <a:schemeClr val="accent3">
+                    <a:lumMod val="75000"/>
+                  </a:schemeClr>
+                </a:solidFill>
+              </a:rPr>
+              <a:t>foram cadastradas 2 mil vendas</a:t>
+            </a:r>
+          </a:p>
+          <a:p>
+            <a:pPr algn="just">
+              <a:lnSpc>
+                <a:spcPct val="200000"/>
+              </a:lnSpc>
+            </a:pPr>
+            <a:r>
+              <a:rPr lang="pt-BR" sz="1600" b="1" dirty="0">
+                <a:solidFill>
+                  <a:schemeClr val="accent3">
+                    <a:lumMod val="75000"/>
+                  </a:schemeClr>
+                </a:solidFill>
+              </a:rPr>
+              <a:t>Datas: </a:t>
+            </a:r>
+            <a:r>
+              <a:rPr lang="pt-BR" sz="1600" dirty="0">
+                <a:solidFill>
+                  <a:schemeClr val="accent3">
+                    <a:lumMod val="75000"/>
+                  </a:schemeClr>
+                </a:solidFill>
+              </a:rPr>
+              <a:t>foi analisado um período de 2 anos de 2017 a 2018</a:t>
+            </a:r>
+          </a:p>
+          <a:p>
+            <a:pPr algn="just">
+              <a:lnSpc>
+                <a:spcPct val="200000"/>
+              </a:lnSpc>
+            </a:pPr>
+            <a:r>
+              <a:rPr lang="pt-BR" sz="1400" dirty="0">
+                <a:solidFill>
+                  <a:schemeClr val="accent3">
+                    <a:lumMod val="75000"/>
+                  </a:schemeClr>
+                </a:solidFill>
+              </a:rPr>
+              <a:t>    </a:t>
+            </a:r>
+            <a:r>
+              <a:rPr lang="pt-BR" sz="1400" b="1" dirty="0">
+                <a:solidFill>
+                  <a:schemeClr val="accent3">
+                    <a:lumMod val="75000"/>
+                  </a:schemeClr>
+                </a:solidFill>
+              </a:rPr>
+              <a:t>Vendas</a:t>
+            </a:r>
+            <a:r>
+              <a:rPr lang="pt-BR" sz="1400" dirty="0">
+                <a:solidFill>
+                  <a:schemeClr val="accent3">
+                    <a:lumMod val="75000"/>
+                  </a:schemeClr>
+                </a:solidFill>
+              </a:rPr>
+              <a:t>: foi considerada uma frequência diária no período analisado</a:t>
+            </a:r>
+          </a:p>
+          <a:p>
+            <a:pPr algn="just">
+              <a:lnSpc>
+                <a:spcPct val="200000"/>
+              </a:lnSpc>
+            </a:pPr>
+            <a:r>
+              <a:rPr lang="pt-BR" sz="1400" dirty="0">
+                <a:solidFill>
+                  <a:schemeClr val="accent3">
+                    <a:lumMod val="75000"/>
+                  </a:schemeClr>
+                </a:solidFill>
+              </a:rPr>
+              <a:t>    </a:t>
+            </a:r>
+            <a:r>
+              <a:rPr lang="pt-BR" sz="1400" b="1" dirty="0">
+                <a:solidFill>
+                  <a:schemeClr val="accent3">
+                    <a:lumMod val="75000"/>
+                  </a:schemeClr>
+                </a:solidFill>
+              </a:rPr>
+              <a:t>Estoque: </a:t>
+            </a:r>
+            <a:r>
+              <a:rPr lang="pt-BR" sz="1400" dirty="0">
+                <a:solidFill>
+                  <a:schemeClr val="accent3">
+                    <a:lumMod val="75000"/>
+                  </a:schemeClr>
+                </a:solidFill>
+              </a:rPr>
+              <a:t>foram considerados snapshots mensais totalizando 24 períodos</a:t>
+            </a:r>
+          </a:p>
+          <a:p>
+            <a:pPr algn="just">
+              <a:lnSpc>
+                <a:spcPct val="200000"/>
+              </a:lnSpc>
+            </a:pPr>
+            <a:endParaRPr lang="pt-BR" sz="1600" dirty="0">
+              <a:solidFill>
+                <a:schemeClr val="accent3">
+                  <a:lumMod val="75000"/>
+                </a:schemeClr>
+              </a:solidFill>
+            </a:endParaRPr>
+          </a:p>
+        </p:txBody>
+      </p:sp>
+    </p:spTree>
+    <p:extLst>
+      <p:ext uri="{BB962C8B-B14F-4D97-AF65-F5344CB8AC3E}">
+        <p14:creationId xmlns:p14="http://schemas.microsoft.com/office/powerpoint/2010/main" val="2308915388"/>
+      </p:ext>
+    </p:extLst>
+  </p:cSld>
+  <p:clrMapOvr>
+    <a:masterClrMapping/>
+  </p:clrMapOvr>
+</p:sld>
+</file>
+
+<file path=ppt/slides/slide6.xml><?xml version="1.0" encoding="utf-8"?>
 <p:sld xmlns:a="http://schemas.openxmlformats.org/drawingml/2006/main" xmlns:r="http://schemas.openxmlformats.org/officeDocument/2006/relationships" xmlns:p="http://schemas.openxmlformats.org/presentationml/2006/main">
   <p:cSld>
     <p:spTree>
@@ -3926,7 +4725,7 @@
 </p:sld>
 </file>
 
-<file path=ppt/slides/slide4.xml><?xml version="1.0" encoding="utf-8"?>
+<file path=ppt/slides/slide7.xml><?xml version="1.0" encoding="utf-8"?>
 <p:sld xmlns:a="http://schemas.openxmlformats.org/drawingml/2006/main" xmlns:r="http://schemas.openxmlformats.org/officeDocument/2006/relationships" xmlns:p="http://schemas.openxmlformats.org/presentationml/2006/main">
   <p:cSld>
     <p:spTree>
@@ -4157,7 +4956,7 @@
 </p:sld>
 </file>
 
-<file path=ppt/slides/slide5.xml><?xml version="1.0" encoding="utf-8"?>
+<file path=ppt/slides/slide8.xml><?xml version="1.0" encoding="utf-8"?>
 <p:sld xmlns:a="http://schemas.openxmlformats.org/drawingml/2006/main" xmlns:r="http://schemas.openxmlformats.org/officeDocument/2006/relationships" xmlns:p="http://schemas.openxmlformats.org/presentationml/2006/main">
   <p:cSld>
     <p:spTree>
@@ -4213,6 +5012,255 @@
                   <a:schemeClr val="bg1"/>
                 </a:solidFill>
               </a:rPr>
+              <a:t>VENDAS</a:t>
+            </a:r>
+          </a:p>
+        </p:txBody>
+      </p:sp>
+      <p:sp>
+        <p:nvSpPr>
+          <p:cNvPr id="7" name="CaixaDeTexto 6">
+            <a:extLst>
+              <a:ext uri="{FF2B5EF4-FFF2-40B4-BE49-F238E27FC236}">
+                <a16:creationId xmlns:a16="http://schemas.microsoft.com/office/drawing/2014/main" id="{80C30135-F148-F441-BA97-03602EC6C9A9}"/>
+              </a:ext>
+            </a:extLst>
+          </p:cNvPr>
+          <p:cNvSpPr txBox="1"/>
+          <p:nvPr/>
+        </p:nvSpPr>
+        <p:spPr>
+          <a:xfrm>
+            <a:off x="394447" y="1314450"/>
+            <a:ext cx="11535616" cy="1162113"/>
+          </a:xfrm>
+          <a:prstGeom prst="rect">
+            <a:avLst/>
+          </a:prstGeom>
+          <a:noFill/>
+        </p:spPr>
+        <p:txBody>
+          <a:bodyPr wrap="square" rtlCol="0">
+            <a:spAutoFit/>
+          </a:bodyPr>
+          <a:lstStyle/>
+          <a:p>
+            <a:pPr>
+              <a:lnSpc>
+                <a:spcPct val="150000"/>
+              </a:lnSpc>
+            </a:pPr>
+            <a:r>
+              <a:rPr lang="pt-BR" sz="1600" dirty="0">
+                <a:solidFill>
+                  <a:schemeClr val="accent3">
+                    <a:lumMod val="75000"/>
+                  </a:schemeClr>
+                </a:solidFill>
+              </a:rPr>
+              <a:t>	As vendas da companhia foram centradas na categoria de vinho tinto, seguido por vinho branco e espumante. Não se observou, no entanto, uma grande concentração em torno de um único produto ou cliente. O cliente e produto de maior participação são entorno de quatro vezes maior que o menor, indicando que não há risco de dependência de um único produto ou cliente.</a:t>
+            </a:r>
+          </a:p>
+        </p:txBody>
+      </p:sp>
+      <p:pic>
+        <p:nvPicPr>
+          <p:cNvPr id="8" name="Imagem 7">
+            <a:extLst>
+              <a:ext uri="{FF2B5EF4-FFF2-40B4-BE49-F238E27FC236}">
+                <a16:creationId xmlns:a16="http://schemas.microsoft.com/office/drawing/2014/main" id="{AA796AA7-021B-274E-8809-32D4608E11CF}"/>
+              </a:ext>
+            </a:extLst>
+          </p:cNvPr>
+          <p:cNvPicPr>
+            <a:picLocks noChangeAspect="1"/>
+          </p:cNvPicPr>
+          <p:nvPr/>
+        </p:nvPicPr>
+        <p:blipFill>
+          <a:blip r:embed="rId2" cstate="print">
+            <a:extLst>
+              <a:ext uri="{28A0092B-C50C-407E-A947-70E740481C1C}">
+                <a14:useLocalDpi xmlns:a14="http://schemas.microsoft.com/office/drawing/2010/main" val="0"/>
+              </a:ext>
+            </a:extLst>
+          </a:blip>
+          <a:stretch>
+            <a:fillRect/>
+          </a:stretch>
+        </p:blipFill>
+        <p:spPr>
+          <a:xfrm>
+            <a:off x="634443" y="3608141"/>
+            <a:ext cx="3240001" cy="2160000"/>
+          </a:xfrm>
+          <a:prstGeom prst="rect">
+            <a:avLst/>
+          </a:prstGeom>
+          <a:effectLst>
+            <a:outerShdw blurRad="50800" dist="38100" dir="2700000" algn="tl" rotWithShape="0">
+              <a:prstClr val="black">
+                <a:alpha val="40000"/>
+              </a:prstClr>
+            </a:outerShdw>
+          </a:effectLst>
+        </p:spPr>
+      </p:pic>
+      <p:pic>
+        <p:nvPicPr>
+          <p:cNvPr id="10" name="Espaço Reservado para Conteúdo 3">
+            <a:extLst>
+              <a:ext uri="{FF2B5EF4-FFF2-40B4-BE49-F238E27FC236}">
+                <a16:creationId xmlns:a16="http://schemas.microsoft.com/office/drawing/2014/main" id="{8B6AF9D9-F858-0549-904D-DE3038CEE3AA}"/>
+              </a:ext>
+            </a:extLst>
+          </p:cNvPr>
+          <p:cNvPicPr>
+            <a:picLocks noChangeAspect="1"/>
+          </p:cNvPicPr>
+          <p:nvPr/>
+        </p:nvPicPr>
+        <p:blipFill>
+          <a:blip r:embed="rId3" cstate="print">
+            <a:extLst>
+              <a:ext uri="{28A0092B-C50C-407E-A947-70E740481C1C}">
+                <a14:useLocalDpi xmlns:a14="http://schemas.microsoft.com/office/drawing/2010/main" val="0"/>
+              </a:ext>
+            </a:extLst>
+          </a:blip>
+          <a:stretch>
+            <a:fillRect/>
+          </a:stretch>
+        </p:blipFill>
+        <p:spPr>
+          <a:xfrm>
+            <a:off x="3980212" y="3608141"/>
+            <a:ext cx="3905031" cy="2160000"/>
+          </a:xfrm>
+          <a:prstGeom prst="rect">
+            <a:avLst/>
+          </a:prstGeom>
+          <a:effectLst>
+            <a:outerShdw blurRad="50800" dist="38100" dir="2700000" algn="tl" rotWithShape="0">
+              <a:prstClr val="black">
+                <a:alpha val="40000"/>
+              </a:prstClr>
+            </a:outerShdw>
+          </a:effectLst>
+        </p:spPr>
+      </p:pic>
+      <p:pic>
+        <p:nvPicPr>
+          <p:cNvPr id="11" name="Espaço Reservado para Conteúdo 3">
+            <a:extLst>
+              <a:ext uri="{FF2B5EF4-FFF2-40B4-BE49-F238E27FC236}">
+                <a16:creationId xmlns:a16="http://schemas.microsoft.com/office/drawing/2014/main" id="{6446577B-DA35-C94A-8941-E7C0278D3909}"/>
+              </a:ext>
+            </a:extLst>
+          </p:cNvPr>
+          <p:cNvPicPr>
+            <a:picLocks noChangeAspect="1"/>
+          </p:cNvPicPr>
+          <p:nvPr/>
+        </p:nvPicPr>
+        <p:blipFill>
+          <a:blip r:embed="rId4" cstate="print">
+            <a:extLst>
+              <a:ext uri="{28A0092B-C50C-407E-A947-70E740481C1C}">
+                <a14:useLocalDpi xmlns:a14="http://schemas.microsoft.com/office/drawing/2010/main" val="0"/>
+              </a:ext>
+            </a:extLst>
+          </a:blip>
+          <a:stretch>
+            <a:fillRect/>
+          </a:stretch>
+        </p:blipFill>
+        <p:spPr>
+          <a:xfrm>
+            <a:off x="7991010" y="3608141"/>
+            <a:ext cx="3740983" cy="2160000"/>
+          </a:xfrm>
+          <a:prstGeom prst="rect">
+            <a:avLst/>
+          </a:prstGeom>
+          <a:effectLst>
+            <a:outerShdw blurRad="50800" dist="38100" dir="2700000" algn="tl" rotWithShape="0">
+              <a:prstClr val="black">
+                <a:alpha val="40000"/>
+              </a:prstClr>
+            </a:outerShdw>
+          </a:effectLst>
+        </p:spPr>
+      </p:pic>
+    </p:spTree>
+    <p:extLst>
+      <p:ext uri="{BB962C8B-B14F-4D97-AF65-F5344CB8AC3E}">
+        <p14:creationId xmlns:p14="http://schemas.microsoft.com/office/powerpoint/2010/main" val="3201547505"/>
+      </p:ext>
+    </p:extLst>
+  </p:cSld>
+  <p:clrMapOvr>
+    <a:masterClrMapping/>
+  </p:clrMapOvr>
+</p:sld>
+</file>
+
+<file path=ppt/slides/slide9.xml><?xml version="1.0" encoding="utf-8"?>
+<p:sld xmlns:a="http://schemas.openxmlformats.org/drawingml/2006/main" xmlns:r="http://schemas.openxmlformats.org/officeDocument/2006/relationships" xmlns:p="http://schemas.openxmlformats.org/presentationml/2006/main">
+  <p:cSld>
+    <p:spTree>
+      <p:nvGrpSpPr>
+        <p:cNvPr id="1" name=""/>
+        <p:cNvGrpSpPr/>
+        <p:nvPr/>
+      </p:nvGrpSpPr>
+      <p:grpSpPr>
+        <a:xfrm>
+          <a:off x="0" y="0"/>
+          <a:ext cx="0" cy="0"/>
+          <a:chOff x="0" y="0"/>
+          <a:chExt cx="0" cy="0"/>
+        </a:xfrm>
+      </p:grpSpPr>
+      <p:sp>
+        <p:nvSpPr>
+          <p:cNvPr id="2" name="Título 1">
+            <a:extLst>
+              <a:ext uri="{FF2B5EF4-FFF2-40B4-BE49-F238E27FC236}">
+                <a16:creationId xmlns:a16="http://schemas.microsoft.com/office/drawing/2014/main" id="{CFCAD5B0-F342-A041-983A-C4853BE14704}"/>
+              </a:ext>
+            </a:extLst>
+          </p:cNvPr>
+          <p:cNvSpPr>
+            <a:spLocks noGrp="1"/>
+          </p:cNvSpPr>
+          <p:nvPr>
+            <p:ph type="title" idx="4294967295"/>
+          </p:nvPr>
+        </p:nvSpPr>
+        <p:spPr>
+          <a:xfrm>
+            <a:off x="394447" y="1"/>
+            <a:ext cx="10515600" cy="1143000"/>
+          </a:xfrm>
+          <a:effectLst>
+            <a:outerShdw blurRad="50800" dist="38100" dir="2700000" algn="tl" rotWithShape="0">
+              <a:prstClr val="black">
+                <a:alpha val="40000"/>
+              </a:prstClr>
+            </a:outerShdw>
+          </a:effectLst>
+        </p:spPr>
+        <p:txBody>
+          <a:bodyPr/>
+          <a:lstStyle/>
+          <a:p>
+            <a:r>
+              <a:rPr lang="pt-BR" b="1" dirty="0">
+                <a:solidFill>
+                  <a:schemeClr val="bg1"/>
+                </a:solidFill>
+              </a:rPr>
               <a:t>ESTOQUE</a:t>
             </a:r>
           </a:p>
@@ -4269,7 +5317,7 @@
                   </a:schemeClr>
                 </a:solidFill>
               </a:rPr>
-              <a:t>warehouses</a:t>
+              <a:t>Warehouses</a:t>
             </a:r>
             <a:r>
               <a:rPr lang="pt-BR" sz="1600" dirty="0">
@@ -4289,7 +5337,7 @@
                   </a:schemeClr>
                 </a:solidFill>
               </a:rPr>
-              <a:t>warehouse</a:t>
+              <a:t>Warehouse</a:t>
             </a:r>
             <a:r>
               <a:rPr lang="pt-BR" sz="1600" dirty="0">
@@ -4299,27 +5347,7 @@
                   </a:schemeClr>
                 </a:solidFill>
               </a:rPr>
-              <a:t> de Centro Norte foi o que mais acumulou estoque ao longo do tempo e pode ser o foco </a:t>
-            </a:r>
-            <a:r>
-              <a:rPr lang="pt-BR" sz="1600" dirty="0" err="1">
-                <a:solidFill>
-                  <a:schemeClr val="accent3">
-                    <a:lumMod val="75000"/>
-                  </a:schemeClr>
-                </a:solidFill>
-              </a:rPr>
-              <a:t>incial</a:t>
-            </a:r>
-            <a:r>
-              <a:rPr lang="pt-BR" sz="1600" dirty="0">
-                <a:solidFill>
-                  <a:schemeClr val="accent3">
-                    <a:lumMod val="75000"/>
-                  </a:schemeClr>
-                </a:solidFill>
-              </a:rPr>
-              <a:t> para um esforço na otimização de estoques.</a:t>
+              <a:t> de Centro Norte foi o que mais acumulou estoque ao longo do tempo e pode ser o foco inicial para um esforço na otimização de estoques.</a:t>
             </a:r>
           </a:p>
         </p:txBody>
